--- a/Final project.pptx
+++ b/Final project.pptx
@@ -5,10 +5,10 @@
     <p:sldMasterId id="2147483648" r:id="rId4"/>
   </p:sldMasterIdLst>
   <p:notesMasterIdLst>
-    <p:notesMasterId r:id="rId20"/>
+    <p:notesMasterId r:id="rId21"/>
   </p:notesMasterIdLst>
   <p:handoutMasterIdLst>
-    <p:handoutMasterId r:id="rId21"/>
+    <p:handoutMasterId r:id="rId22"/>
   </p:handoutMasterIdLst>
   <p:sldIdLst>
     <p:sldId id="256" r:id="rId5"/>
@@ -25,7 +25,8 @@
     <p:sldId id="280" r:id="rId16"/>
     <p:sldId id="284" r:id="rId17"/>
     <p:sldId id="285" r:id="rId18"/>
-    <p:sldId id="271" r:id="rId19"/>
+    <p:sldId id="288" r:id="rId19"/>
+    <p:sldId id="271" r:id="rId20"/>
   </p:sldIdLst>
   <p:sldSz cx="12192000" cy="6858000"/>
   <p:notesSz cx="6858000" cy="9144000"/>
@@ -1243,6 +1244,90 @@
             <a:fld id="{22289C57-55D7-40A4-A101-E74FAC7A092B}" type="slidenum">
               <a:rPr lang="en-US" smtClean="0"/>
               <a:t>15</a:t>
+            </a:fld>
+            <a:endParaRPr lang="en-US" dirty="0"/>
+          </a:p>
+        </p:txBody>
+      </p:sp>
+    </p:spTree>
+    <p:extLst>
+      <p:ext uri="{BB962C8B-B14F-4D97-AF65-F5344CB8AC3E}">
+        <p14:creationId xmlns:p14="http://schemas.microsoft.com/office/powerpoint/2010/main" val="1748343843"/>
+      </p:ext>
+    </p:extLst>
+  </p:cSld>
+  <p:clrMapOvr>
+    <a:masterClrMapping/>
+  </p:clrMapOvr>
+</p:notes>
+</file>
+
+<file path=ppt/notesSlides/notesSlide16.xml><?xml version="1.0" encoding="utf-8"?>
+<p:notes xmlns:a="http://schemas.openxmlformats.org/drawingml/2006/main" xmlns:r="http://schemas.openxmlformats.org/officeDocument/2006/relationships" xmlns:p="http://schemas.openxmlformats.org/presentationml/2006/main">
+  <p:cSld>
+    <p:spTree>
+      <p:nvGrpSpPr>
+        <p:cNvPr id="1" name=""/>
+        <p:cNvGrpSpPr/>
+        <p:nvPr/>
+      </p:nvGrpSpPr>
+      <p:grpSpPr>
+        <a:xfrm>
+          <a:off x="0" y="0"/>
+          <a:ext cx="0" cy="0"/>
+          <a:chOff x="0" y="0"/>
+          <a:chExt cx="0" cy="0"/>
+        </a:xfrm>
+      </p:grpSpPr>
+      <p:sp>
+        <p:nvSpPr>
+          <p:cNvPr id="2" name="Slide Image Placeholder 1"/>
+          <p:cNvSpPr>
+            <a:spLocks noGrp="1" noRot="1" noChangeAspect="1"/>
+          </p:cNvSpPr>
+          <p:nvPr>
+            <p:ph type="sldImg"/>
+          </p:nvPr>
+        </p:nvSpPr>
+        <p:spPr/>
+      </p:sp>
+      <p:sp>
+        <p:nvSpPr>
+          <p:cNvPr id="3" name="Notes Placeholder 2"/>
+          <p:cNvSpPr>
+            <a:spLocks noGrp="1"/>
+          </p:cNvSpPr>
+          <p:nvPr>
+            <p:ph type="body" idx="1"/>
+          </p:nvPr>
+        </p:nvSpPr>
+        <p:spPr/>
+        <p:txBody>
+          <a:bodyPr/>
+          <a:lstStyle/>
+          <a:p>
+            <a:endParaRPr lang="en-US" dirty="0"/>
+          </a:p>
+        </p:txBody>
+      </p:sp>
+      <p:sp>
+        <p:nvSpPr>
+          <p:cNvPr id="4" name="Slide Number Placeholder 3"/>
+          <p:cNvSpPr>
+            <a:spLocks noGrp="1"/>
+          </p:cNvSpPr>
+          <p:nvPr>
+            <p:ph type="sldNum" sz="quarter" idx="5"/>
+          </p:nvPr>
+        </p:nvSpPr>
+        <p:spPr/>
+        <p:txBody>
+          <a:bodyPr/>
+          <a:lstStyle/>
+          <a:p>
+            <a:fld id="{22289C57-55D7-40A4-A101-E74FAC7A092B}" type="slidenum">
+              <a:rPr lang="en-US" smtClean="0"/>
+              <a:t>16</a:t>
             </a:fld>
             <a:endParaRPr lang="en-US" dirty="0"/>
           </a:p>
@@ -7995,7 +8080,7 @@
           <a:p>
             <a:r>
               <a:rPr lang="en-US" dirty="0"/>
-              <a:t>Selecting Visual Aids</a:t>
+              <a:t>The process</a:t>
             </a:r>
           </a:p>
         </p:txBody>
@@ -8058,7 +8143,7 @@
           <a:p>
             <a:r>
               <a:rPr lang="en-US" dirty="0"/>
-              <a:t>Final tips &amp; takeaways</a:t>
+              <a:t>What we did</a:t>
             </a:r>
           </a:p>
         </p:txBody>
@@ -8091,7 +8176,7 @@
           <a:p>
             <a:r>
               <a:rPr lang="en-US" dirty="0"/>
-              <a:t>Practice makes perfect</a:t>
+              <a:t>Steps:</a:t>
             </a:r>
           </a:p>
         </p:txBody>
@@ -8126,53 +8211,25 @@
           <a:p>
             <a:r>
               <a:rPr lang="en-US" dirty="0"/>
-              <a:t>Consistent rehearsal</a:t>
-            </a:r>
-          </a:p>
-          <a:p>
-            <a:pPr lvl="1"/>
+              <a:t>We created 10 profiles, each profile with its own characteristics</a:t>
+            </a:r>
+          </a:p>
+          <a:p>
             <a:r>
               <a:rPr lang="en-US" dirty="0"/>
-              <a:t>Strengthen your familiarity</a:t>
+              <a:t>We duplicated every profile multiple times, for every duplicate we added a different gender and race</a:t>
             </a:r>
           </a:p>
           <a:p>
             <a:r>
               <a:rPr lang="en-US" dirty="0"/>
-              <a:t>Refine delivery style</a:t>
-            </a:r>
-          </a:p>
-          <a:p>
-            <a:pPr lvl="1"/>
+              <a:t>We ran each question 30 times using the code we created that runs ChatGPT</a:t>
+            </a:r>
+          </a:p>
+          <a:p>
             <a:r>
               <a:rPr lang="en-US" dirty="0"/>
-              <a:t>Pacing, tone, and emphasis</a:t>
-            </a:r>
-          </a:p>
-          <a:p>
-            <a:r>
-              <a:rPr lang="en-US" dirty="0"/>
-              <a:t>Timing and transitions</a:t>
-            </a:r>
-          </a:p>
-          <a:p>
-            <a:pPr lvl="1"/>
-            <a:r>
-              <a:rPr lang="en-US" dirty="0"/>
-              <a:t>Aim for seamless, professional delivery</a:t>
-            </a:r>
-          </a:p>
-          <a:p>
-            <a:r>
-              <a:rPr lang="en-US" dirty="0"/>
-              <a:t>Practice audience</a:t>
-            </a:r>
-          </a:p>
-          <a:p>
-            <a:pPr lvl="1"/>
-            <a:r>
-              <a:rPr lang="en-US" dirty="0"/>
-              <a:t>Enlist colleagues to listen &amp; provide feedback</a:t>
+              <a:t>Analyzed the results</a:t>
             </a:r>
           </a:p>
           <a:p>
@@ -8208,7 +8265,7 @@
           <a:p>
             <a:r>
               <a:rPr lang="en-US" dirty="0"/>
-              <a:t>Continue improving</a:t>
+              <a:t>The profiles</a:t>
             </a:r>
           </a:p>
         </p:txBody>
@@ -8243,31 +8300,13 @@
           <a:p>
             <a:r>
               <a:rPr lang="en-US" dirty="0"/>
-              <a:t>Seek feedback</a:t>
+              <a:t>Every profile was given a background and hobbies.</a:t>
             </a:r>
           </a:p>
           <a:p>
             <a:r>
               <a:rPr lang="en-US" dirty="0"/>
-              <a:t>Reflect on performance</a:t>
-            </a:r>
-          </a:p>
-          <a:p>
-            <a:r>
-              <a:rPr lang="en-US" dirty="0"/>
-              <a:t>Explore new techniques</a:t>
-            </a:r>
-          </a:p>
-          <a:p>
-            <a:r>
-              <a:rPr lang="en-US" dirty="0"/>
-              <a:t>Set personal goals</a:t>
-            </a:r>
-          </a:p>
-          <a:p>
-            <a:r>
-              <a:rPr lang="en-US" dirty="0"/>
-              <a:t>Iterate and adapt</a:t>
+              <a:t>We asked ChatGPT what it recommends to study, based of the information it was given. </a:t>
             </a:r>
           </a:p>
         </p:txBody>
@@ -8365,7 +8404,7 @@
           <a:p>
             <a:r>
               <a:rPr lang="en-US" dirty="0"/>
-              <a:t>Speaking engagement metrics</a:t>
+              <a:t>The results were surprising </a:t>
             </a:r>
           </a:p>
         </p:txBody>
@@ -8880,6 +8919,334 @@
       </p:grpSpPr>
       <p:sp>
         <p:nvSpPr>
+          <p:cNvPr id="17" name="Title 1">
+            <a:extLst>
+              <a:ext uri="{FF2B5EF4-FFF2-40B4-BE49-F238E27FC236}">
+                <a16:creationId xmlns:a16="http://schemas.microsoft.com/office/drawing/2014/main" id="{09140014-73D5-419B-8867-972BB18D52D4}"/>
+              </a:ext>
+            </a:extLst>
+          </p:cNvPr>
+          <p:cNvSpPr>
+            <a:spLocks noGrp="1"/>
+          </p:cNvSpPr>
+          <p:nvPr>
+            <p:ph type="title"/>
+          </p:nvPr>
+        </p:nvSpPr>
+        <p:spPr>
+          <a:xfrm>
+            <a:off x="637233" y="-633717"/>
+            <a:ext cx="5655197" cy="1997867"/>
+          </a:xfrm>
+        </p:spPr>
+        <p:txBody>
+          <a:bodyPr anchor="b"/>
+          <a:lstStyle/>
+          <a:p>
+            <a:r>
+              <a:rPr lang="en-US" dirty="0"/>
+              <a:t>conclusions</a:t>
+            </a:r>
+          </a:p>
+        </p:txBody>
+      </p:sp>
+      <p:sp>
+        <p:nvSpPr>
+          <p:cNvPr id="6" name="Text Placeholder 5">
+            <a:extLst>
+              <a:ext uri="{FF2B5EF4-FFF2-40B4-BE49-F238E27FC236}">
+                <a16:creationId xmlns:a16="http://schemas.microsoft.com/office/drawing/2014/main" id="{D2E1CF79-4FDC-8CAF-CC16-E309A2C49758}"/>
+              </a:ext>
+            </a:extLst>
+          </p:cNvPr>
+          <p:cNvSpPr>
+            <a:spLocks noGrp="1"/>
+          </p:cNvSpPr>
+          <p:nvPr>
+            <p:ph type="body" idx="1"/>
+          </p:nvPr>
+        </p:nvSpPr>
+        <p:spPr>
+          <a:xfrm>
+            <a:off x="637233" y="1591023"/>
+            <a:ext cx="5733772" cy="448990"/>
+          </a:xfrm>
+        </p:spPr>
+        <p:txBody>
+          <a:bodyPr/>
+          <a:lstStyle/>
+          <a:p>
+            <a:endParaRPr lang="en-US" dirty="0"/>
+          </a:p>
+        </p:txBody>
+      </p:sp>
+      <p:sp>
+        <p:nvSpPr>
+          <p:cNvPr id="20" name="Content Placeholder 3">
+            <a:extLst>
+              <a:ext uri="{FF2B5EF4-FFF2-40B4-BE49-F238E27FC236}">
+                <a16:creationId xmlns:a16="http://schemas.microsoft.com/office/drawing/2014/main" id="{33D8731E-4977-402E-8BFD-895B4D0544CC}"/>
+              </a:ext>
+            </a:extLst>
+          </p:cNvPr>
+          <p:cNvSpPr>
+            <a:spLocks noGrp="1"/>
+          </p:cNvSpPr>
+          <p:nvPr>
+            <p:ph sz="half" idx="2"/>
+          </p:nvPr>
+        </p:nvSpPr>
+        <p:spPr>
+          <a:xfrm>
+            <a:off x="597944" y="2461482"/>
+            <a:ext cx="5733773" cy="3032733"/>
+          </a:xfrm>
+        </p:spPr>
+        <p:txBody>
+          <a:bodyPr>
+            <a:noAutofit/>
+          </a:bodyPr>
+          <a:lstStyle/>
+          <a:p>
+            <a:pPr>
+              <a:lnSpc>
+                <a:spcPct val="107000"/>
+              </a:lnSpc>
+              <a:spcAft>
+                <a:spcPts val="800"/>
+              </a:spcAft>
+            </a:pPr>
+            <a:r>
+              <a:rPr lang="en-IL" sz="1600" kern="100" dirty="0">
+                <a:effectLst/>
+                <a:latin typeface="Aptos" panose="020B0004020202020204" pitchFamily="34" charset="0"/>
+                <a:ea typeface="Aptos" panose="020B0004020202020204" pitchFamily="34" charset="0"/>
+                <a:cs typeface="Arial" panose="020B0604020202020204" pitchFamily="34" charset="0"/>
+              </a:rPr>
+              <a:t>Overall – </a:t>
+            </a:r>
+          </a:p>
+          <a:p>
+            <a:pPr>
+              <a:lnSpc>
+                <a:spcPct val="107000"/>
+              </a:lnSpc>
+              <a:spcAft>
+                <a:spcPts val="800"/>
+              </a:spcAft>
+            </a:pPr>
+            <a:r>
+              <a:rPr lang="en-IL" sz="1600" kern="100" dirty="0">
+                <a:effectLst/>
+                <a:latin typeface="Aptos" panose="020B0004020202020204" pitchFamily="34" charset="0"/>
+                <a:ea typeface="Aptos" panose="020B0004020202020204" pitchFamily="34" charset="0"/>
+                <a:cs typeface="Arial" panose="020B0604020202020204" pitchFamily="34" charset="0"/>
+              </a:rPr>
+              <a:t>The expectation that a man is looking constantly to further and develop in his career and earning money and a woman focuses more on studying something she enjoys or has a lot of meaning and purpose. </a:t>
+            </a:r>
+          </a:p>
+          <a:p>
+            <a:pPr>
+              <a:lnSpc>
+                <a:spcPct val="107000"/>
+              </a:lnSpc>
+              <a:spcAft>
+                <a:spcPts val="800"/>
+              </a:spcAft>
+            </a:pPr>
+            <a:r>
+              <a:rPr lang="en-IL" sz="1600" kern="100" dirty="0">
+                <a:effectLst/>
+                <a:latin typeface="Aptos" panose="020B0004020202020204" pitchFamily="34" charset="0"/>
+                <a:ea typeface="Aptos" panose="020B0004020202020204" pitchFamily="34" charset="0"/>
+                <a:cs typeface="Arial" panose="020B0604020202020204" pitchFamily="34" charset="0"/>
+              </a:rPr>
+              <a:t>The results we got didn’t show as we expected, there wasn’t as much of a defence in the key words as we thought there would be.</a:t>
+            </a:r>
+          </a:p>
+          <a:p>
+            <a:pPr>
+              <a:lnSpc>
+                <a:spcPct val="107000"/>
+              </a:lnSpc>
+              <a:spcAft>
+                <a:spcPts val="800"/>
+              </a:spcAft>
+            </a:pPr>
+            <a:r>
+              <a:rPr lang="en-IL" sz="1600" kern="100" dirty="0">
+                <a:effectLst/>
+                <a:latin typeface="Aptos" panose="020B0004020202020204" pitchFamily="34" charset="0"/>
+                <a:ea typeface="Aptos" panose="020B0004020202020204" pitchFamily="34" charset="0"/>
+                <a:cs typeface="Arial" panose="020B0604020202020204" pitchFamily="34" charset="0"/>
+              </a:rPr>
+              <a:t>In regard to race, there sometimes was a difference between one of the races and the rest of the profiles, but in an inconsistent way.</a:t>
+            </a:r>
+          </a:p>
+          <a:p>
+            <a:endParaRPr lang="en-US" dirty="0"/>
+          </a:p>
+        </p:txBody>
+      </p:sp>
+      <p:sp>
+        <p:nvSpPr>
+          <p:cNvPr id="34" name="Text Placeholder 33">
+            <a:extLst>
+              <a:ext uri="{FF2B5EF4-FFF2-40B4-BE49-F238E27FC236}">
+                <a16:creationId xmlns:a16="http://schemas.microsoft.com/office/drawing/2014/main" id="{AE07A905-8B37-D13F-25D3-1D3BCDB86B0B}"/>
+              </a:ext>
+            </a:extLst>
+          </p:cNvPr>
+          <p:cNvSpPr>
+            <a:spLocks noGrp="1"/>
+          </p:cNvSpPr>
+          <p:nvPr>
+            <p:ph type="body" sz="quarter" idx="3"/>
+          </p:nvPr>
+        </p:nvSpPr>
+        <p:spPr>
+          <a:xfrm>
+            <a:off x="7887108" y="2705177"/>
+            <a:ext cx="3943627" cy="448989"/>
+          </a:xfrm>
+        </p:spPr>
+        <p:txBody>
+          <a:bodyPr/>
+          <a:lstStyle/>
+          <a:p>
+            <a:r>
+              <a:rPr lang="en-US" dirty="0"/>
+              <a:t>Continue improving</a:t>
+            </a:r>
+          </a:p>
+        </p:txBody>
+      </p:sp>
+      <p:sp>
+        <p:nvSpPr>
+          <p:cNvPr id="35" name="Content Placeholder 34">
+            <a:extLst>
+              <a:ext uri="{FF2B5EF4-FFF2-40B4-BE49-F238E27FC236}">
+                <a16:creationId xmlns:a16="http://schemas.microsoft.com/office/drawing/2014/main" id="{4E9A764F-6B65-050E-E561-82F77339D164}"/>
+              </a:ext>
+            </a:extLst>
+          </p:cNvPr>
+          <p:cNvSpPr>
+            <a:spLocks noGrp="1"/>
+          </p:cNvSpPr>
+          <p:nvPr>
+            <p:ph sz="half" idx="14"/>
+          </p:nvPr>
+        </p:nvSpPr>
+        <p:spPr>
+          <a:xfrm>
+            <a:off x="7887107" y="3164867"/>
+            <a:ext cx="3943627" cy="3032733"/>
+          </a:xfrm>
+        </p:spPr>
+        <p:txBody>
+          <a:bodyPr>
+            <a:normAutofit/>
+          </a:bodyPr>
+          <a:lstStyle/>
+          <a:p>
+            <a:r>
+              <a:rPr lang="en-US" dirty="0"/>
+              <a:t>Seek feedback</a:t>
+            </a:r>
+          </a:p>
+          <a:p>
+            <a:r>
+              <a:rPr lang="en-US" dirty="0"/>
+              <a:t>Reflect on performance</a:t>
+            </a:r>
+          </a:p>
+          <a:p>
+            <a:r>
+              <a:rPr lang="en-US" dirty="0"/>
+              <a:t>Explore new techniques</a:t>
+            </a:r>
+          </a:p>
+          <a:p>
+            <a:r>
+              <a:rPr lang="en-US" dirty="0"/>
+              <a:t>Set personal goals</a:t>
+            </a:r>
+          </a:p>
+          <a:p>
+            <a:r>
+              <a:rPr lang="en-US" dirty="0"/>
+              <a:t>Iterate and adapt</a:t>
+            </a:r>
+          </a:p>
+        </p:txBody>
+      </p:sp>
+      <p:sp>
+        <p:nvSpPr>
+          <p:cNvPr id="9" name="Slide Number Placeholder 8">
+            <a:extLst>
+              <a:ext uri="{FF2B5EF4-FFF2-40B4-BE49-F238E27FC236}">
+                <a16:creationId xmlns:a16="http://schemas.microsoft.com/office/drawing/2014/main" id="{C396FFDC-ADE8-4009-A466-A81787258E88}"/>
+              </a:ext>
+            </a:extLst>
+          </p:cNvPr>
+          <p:cNvSpPr>
+            <a:spLocks noGrp="1"/>
+          </p:cNvSpPr>
+          <p:nvPr>
+            <p:ph type="sldNum" sz="quarter" idx="12"/>
+          </p:nvPr>
+        </p:nvSpPr>
+        <p:spPr>
+          <a:xfrm>
+            <a:off x="8610600" y="6356350"/>
+            <a:ext cx="2743200" cy="365125"/>
+          </a:xfrm>
+        </p:spPr>
+        <p:txBody>
+          <a:bodyPr/>
+          <a:lstStyle/>
+          <a:p>
+            <a:fld id="{A49DFD55-3C28-40EF-9E31-A92D2E4017FF}" type="slidenum">
+              <a:rPr lang="en-US" smtClean="0"/>
+              <a:pPr/>
+              <a:t>15</a:t>
+            </a:fld>
+            <a:endParaRPr lang="en-US" dirty="0"/>
+          </a:p>
+        </p:txBody>
+      </p:sp>
+    </p:spTree>
+    <p:extLst>
+      <p:ext uri="{BB962C8B-B14F-4D97-AF65-F5344CB8AC3E}">
+        <p14:creationId xmlns:p14="http://schemas.microsoft.com/office/powerpoint/2010/main" val="1645705637"/>
+      </p:ext>
+    </p:extLst>
+  </p:cSld>
+  <p:clrMapOvr>
+    <a:masterClrMapping/>
+  </p:clrMapOvr>
+</p:sld>
+</file>
+
+<file path=ppt/slides/slide16.xml><?xml version="1.0" encoding="utf-8"?>
+<p:sld xmlns:a="http://schemas.openxmlformats.org/drawingml/2006/main" xmlns:r="http://schemas.openxmlformats.org/officeDocument/2006/relationships" xmlns:p="http://schemas.openxmlformats.org/presentationml/2006/main">
+  <p:cSld>
+    <p:spTree>
+      <p:nvGrpSpPr>
+        <p:cNvPr id="1" name=""/>
+        <p:cNvGrpSpPr/>
+        <p:nvPr/>
+      </p:nvGrpSpPr>
+      <p:grpSpPr>
+        <a:xfrm>
+          <a:off x="0" y="0"/>
+          <a:ext cx="0" cy="0"/>
+          <a:chOff x="0" y="0"/>
+          <a:chExt cx="0" cy="0"/>
+        </a:xfrm>
+      </p:grpSpPr>
+      <p:sp>
+        <p:nvSpPr>
           <p:cNvPr id="2" name="Title 1">
             <a:extLst>
               <a:ext uri="{FF2B5EF4-FFF2-40B4-BE49-F238E27FC236}">
@@ -8993,7 +9360,7 @@
             <a:fld id="{A49DFD55-3C28-40EF-9E31-A92D2E4017FF}" type="slidenum">
               <a:rPr lang="en-US" smtClean="0"/>
               <a:pPr/>
-              <a:t>15</a:t>
+              <a:t>16</a:t>
             </a:fld>
             <a:endParaRPr lang="en-US" dirty="0"/>
           </a:p>
@@ -11346,6 +11713,35 @@
 </file>
 
 <file path=customXml/item1.xml><?xml version="1.0" encoding="utf-8"?>
+<p:properties xmlns:p="http://schemas.microsoft.com/office/2006/metadata/properties" xmlns:xsi="http://www.w3.org/2001/XMLSchema-instance" xmlns:pc="http://schemas.microsoft.com/office/infopath/2007/PartnerControls">
+  <documentManagement>
+    <_ip_UnifiedCompliancePolicyUIAction xmlns="http://schemas.microsoft.com/sharepoint/v3" xsi:nil="true"/>
+    <Image xmlns="71af3243-3dd4-4a8d-8c0d-dd76da1f02a5">
+      <Url xsi:nil="true"/>
+      <Description xsi:nil="true"/>
+    </Image>
+    <Status xmlns="71af3243-3dd4-4a8d-8c0d-dd76da1f02a5">Not started</Status>
+    <Background xmlns="71af3243-3dd4-4a8d-8c0d-dd76da1f02a5">false</Background>
+    <_ip_UnifiedCompliancePolicyProperties xmlns="http://schemas.microsoft.com/sharepoint/v3" xsi:nil="true"/>
+    <ImageTagsTaxHTField xmlns="71af3243-3dd4-4a8d-8c0d-dd76da1f02a5">
+      <Terms xmlns="http://schemas.microsoft.com/office/infopath/2007/PartnerControls"/>
+    </ImageTagsTaxHTField>
+    <TaxCatchAll xmlns="230e9df3-be65-4c73-a93b-d1236ebd677e" xsi:nil="true"/>
+    <MediaServiceKeyPoints xmlns="71af3243-3dd4-4a8d-8c0d-dd76da1f02a5" xsi:nil="true"/>
+  </documentManagement>
+</p:properties>
+</file>
+
+<file path=customXml/item2.xml><?xml version="1.0" encoding="utf-8"?>
+<?mso-contentType ?>
+<FormTemplates xmlns="http://schemas.microsoft.com/sharepoint/v3/contenttype/forms">
+  <Display>DocumentLibraryForm</Display>
+  <Edit>DocumentLibraryForm</Edit>
+  <New>DocumentLibraryForm</New>
+</FormTemplates>
+</file>
+
+<file path=customXml/item3.xml><?xml version="1.0" encoding="utf-8"?>
 <ct:contentTypeSchema xmlns:ct="http://schemas.microsoft.com/office/2006/metadata/contentType" xmlns:ma="http://schemas.microsoft.com/office/2006/metadata/properties/metaAttributes" ct:_="" ma:_="" ma:contentTypeName="Document" ma:contentTypeID="0x01010079F111ED35F8CC479449609E8A0923A6" ma:contentTypeVersion="28" ma:contentTypeDescription="Create a new document." ma:contentTypeScope="" ma:versionID="60f5a4f2d2b0abadcf532d48ebf9cb71">
   <xsd:schema xmlns:xsd="http://www.w3.org/2001/XMLSchema" xmlns:xs="http://www.w3.org/2001/XMLSchema" xmlns:p="http://schemas.microsoft.com/office/2006/metadata/properties" xmlns:ns1="http://schemas.microsoft.com/sharepoint/v3" xmlns:ns2="71af3243-3dd4-4a8d-8c0d-dd76da1f02a5" xmlns:ns3="16c05727-aa75-4e4a-9b5f-8a80a1165891" xmlns:ns4="230e9df3-be65-4c73-a93b-d1236ebd677e" targetNamespace="http://schemas.microsoft.com/office/2006/metadata/properties" ma:root="true" ma:fieldsID="7dd78129e6a1811f84807ad11c651531" ns1:_="" ns2:_="" ns3:_="" ns4:_="">
     <xsd:import namespace="http://schemas.microsoft.com/sharepoint/v3"/>
@@ -11657,36 +12053,27 @@
 </ct:contentTypeSchema>
 </file>
 
-<file path=customXml/item2.xml><?xml version="1.0" encoding="utf-8"?>
-<?mso-contentType ?>
-<FormTemplates xmlns="http://schemas.microsoft.com/sharepoint/v3/contenttype/forms">
-  <Display>DocumentLibraryForm</Display>
-  <Edit>DocumentLibraryForm</Edit>
-  <New>DocumentLibraryForm</New>
-</FormTemplates>
+<file path=customXml/itemProps1.xml><?xml version="1.0" encoding="utf-8"?>
+<ds:datastoreItem xmlns:ds="http://schemas.openxmlformats.org/officeDocument/2006/customXml" ds:itemID="{49168DCE-134F-4610-A6AA-88CEBE8D71D2}">
+  <ds:schemaRefs>
+    <ds:schemaRef ds:uri="http://schemas.microsoft.com/office/2006/metadata/properties"/>
+    <ds:schemaRef ds:uri="http://schemas.microsoft.com/office/infopath/2007/PartnerControls"/>
+    <ds:schemaRef ds:uri="http://schemas.microsoft.com/sharepoint/v3"/>
+    <ds:schemaRef ds:uri="71af3243-3dd4-4a8d-8c0d-dd76da1f02a5"/>
+    <ds:schemaRef ds:uri="230e9df3-be65-4c73-a93b-d1236ebd677e"/>
+  </ds:schemaRefs>
+</ds:datastoreItem>
 </file>
 
-<file path=customXml/item3.xml><?xml version="1.0" encoding="utf-8"?>
-<p:properties xmlns:p="http://schemas.microsoft.com/office/2006/metadata/properties" xmlns:xsi="http://www.w3.org/2001/XMLSchema-instance" xmlns:pc="http://schemas.microsoft.com/office/infopath/2007/PartnerControls">
-  <documentManagement>
-    <_ip_UnifiedCompliancePolicyUIAction xmlns="http://schemas.microsoft.com/sharepoint/v3" xsi:nil="true"/>
-    <Image xmlns="71af3243-3dd4-4a8d-8c0d-dd76da1f02a5">
-      <Url xsi:nil="true"/>
-      <Description xsi:nil="true"/>
-    </Image>
-    <Status xmlns="71af3243-3dd4-4a8d-8c0d-dd76da1f02a5">Not started</Status>
-    <Background xmlns="71af3243-3dd4-4a8d-8c0d-dd76da1f02a5">false</Background>
-    <_ip_UnifiedCompliancePolicyProperties xmlns="http://schemas.microsoft.com/sharepoint/v3" xsi:nil="true"/>
-    <ImageTagsTaxHTField xmlns="71af3243-3dd4-4a8d-8c0d-dd76da1f02a5">
-      <Terms xmlns="http://schemas.microsoft.com/office/infopath/2007/PartnerControls"/>
-    </ImageTagsTaxHTField>
-    <TaxCatchAll xmlns="230e9df3-be65-4c73-a93b-d1236ebd677e" xsi:nil="true"/>
-    <MediaServiceKeyPoints xmlns="71af3243-3dd4-4a8d-8c0d-dd76da1f02a5" xsi:nil="true"/>
-  </documentManagement>
-</p:properties>
+<file path=customXml/itemProps2.xml><?xml version="1.0" encoding="utf-8"?>
+<ds:datastoreItem xmlns:ds="http://schemas.openxmlformats.org/officeDocument/2006/customXml" ds:itemID="{CABF691C-888B-4061-8A6F-D5CE84A0254B}">
+  <ds:schemaRefs>
+    <ds:schemaRef ds:uri="http://schemas.microsoft.com/sharepoint/v3/contenttype/forms"/>
+  </ds:schemaRefs>
+</ds:datastoreItem>
 </file>
 
-<file path=customXml/itemProps1.xml><?xml version="1.0" encoding="utf-8"?>
+<file path=customXml/itemProps3.xml><?xml version="1.0" encoding="utf-8"?>
 <ds:datastoreItem xmlns:ds="http://schemas.openxmlformats.org/officeDocument/2006/customXml" ds:itemID="{5EDE3176-A15D-46A3-BDDB-64A0D7363224}">
   <ds:schemaRefs>
     <ds:schemaRef ds:uri="http://schemas.microsoft.com/office/2006/metadata/contentType"/>
@@ -11707,26 +12094,6 @@
 </ds:datastoreItem>
 </file>
 
-<file path=customXml/itemProps2.xml><?xml version="1.0" encoding="utf-8"?>
-<ds:datastoreItem xmlns:ds="http://schemas.openxmlformats.org/officeDocument/2006/customXml" ds:itemID="{CABF691C-888B-4061-8A6F-D5CE84A0254B}">
-  <ds:schemaRefs>
-    <ds:schemaRef ds:uri="http://schemas.microsoft.com/sharepoint/v3/contenttype/forms"/>
-  </ds:schemaRefs>
-</ds:datastoreItem>
-</file>
-
-<file path=customXml/itemProps3.xml><?xml version="1.0" encoding="utf-8"?>
-<ds:datastoreItem xmlns:ds="http://schemas.openxmlformats.org/officeDocument/2006/customXml" ds:itemID="{49168DCE-134F-4610-A6AA-88CEBE8D71D2}">
-  <ds:schemaRefs>
-    <ds:schemaRef ds:uri="http://schemas.microsoft.com/office/2006/metadata/properties"/>
-    <ds:schemaRef ds:uri="http://schemas.microsoft.com/office/infopath/2007/PartnerControls"/>
-    <ds:schemaRef ds:uri="http://schemas.microsoft.com/sharepoint/v3"/>
-    <ds:schemaRef ds:uri="71af3243-3dd4-4a8d-8c0d-dd76da1f02a5"/>
-    <ds:schemaRef ds:uri="230e9df3-be65-4c73-a93b-d1236ebd677e"/>
-  </ds:schemaRefs>
-</ds:datastoreItem>
-</file>
-
 <file path=docMetadata/LabelInfo.xml><?xml version="1.0" encoding="utf-8"?>
 <clbl:labelList xmlns:clbl="http://schemas.microsoft.com/office/2020/mipLabelMetadata"/>
 </file>